--- a/TAREA-2/tarea2-AED.pptx
+++ b/TAREA-2/tarea2-AED.pptx
@@ -275,7 +275,7 @@
           <a:p>
             <a:fld id="{6D2C1178-CF09-F641-98D4-FC5AFECFFCAC}" type="datetimeFigureOut">
               <a:rPr lang="es-AR" smtClean="0"/>
-              <a:t>21/3/23</a:t>
+              <a:t>30/3/23</a:t>
             </a:fld>
             <a:endParaRPr lang="es-AR"/>
           </a:p>
@@ -475,7 +475,7 @@
           <a:p>
             <a:fld id="{6D2C1178-CF09-F641-98D4-FC5AFECFFCAC}" type="datetimeFigureOut">
               <a:rPr lang="es-AR" smtClean="0"/>
-              <a:t>21/3/23</a:t>
+              <a:t>30/3/23</a:t>
             </a:fld>
             <a:endParaRPr lang="es-AR"/>
           </a:p>
@@ -685,7 +685,7 @@
           <a:p>
             <a:fld id="{6D2C1178-CF09-F641-98D4-FC5AFECFFCAC}" type="datetimeFigureOut">
               <a:rPr lang="es-AR" smtClean="0"/>
-              <a:t>21/3/23</a:t>
+              <a:t>30/3/23</a:t>
             </a:fld>
             <a:endParaRPr lang="es-AR"/>
           </a:p>
@@ -885,7 +885,7 @@
           <a:p>
             <a:fld id="{6D2C1178-CF09-F641-98D4-FC5AFECFFCAC}" type="datetimeFigureOut">
               <a:rPr lang="es-AR" smtClean="0"/>
-              <a:t>21/3/23</a:t>
+              <a:t>30/3/23</a:t>
             </a:fld>
             <a:endParaRPr lang="es-AR"/>
           </a:p>
@@ -1161,7 +1161,7 @@
           <a:p>
             <a:fld id="{6D2C1178-CF09-F641-98D4-FC5AFECFFCAC}" type="datetimeFigureOut">
               <a:rPr lang="es-AR" smtClean="0"/>
-              <a:t>21/3/23</a:t>
+              <a:t>30/3/23</a:t>
             </a:fld>
             <a:endParaRPr lang="es-AR"/>
           </a:p>
@@ -1429,7 +1429,7 @@
           <a:p>
             <a:fld id="{6D2C1178-CF09-F641-98D4-FC5AFECFFCAC}" type="datetimeFigureOut">
               <a:rPr lang="es-AR" smtClean="0"/>
-              <a:t>21/3/23</a:t>
+              <a:t>30/3/23</a:t>
             </a:fld>
             <a:endParaRPr lang="es-AR"/>
           </a:p>
@@ -1844,7 +1844,7 @@
           <a:p>
             <a:fld id="{6D2C1178-CF09-F641-98D4-FC5AFECFFCAC}" type="datetimeFigureOut">
               <a:rPr lang="es-AR" smtClean="0"/>
-              <a:t>21/3/23</a:t>
+              <a:t>30/3/23</a:t>
             </a:fld>
             <a:endParaRPr lang="es-AR"/>
           </a:p>
@@ -1986,7 +1986,7 @@
           <a:p>
             <a:fld id="{6D2C1178-CF09-F641-98D4-FC5AFECFFCAC}" type="datetimeFigureOut">
               <a:rPr lang="es-AR" smtClean="0"/>
-              <a:t>21/3/23</a:t>
+              <a:t>30/3/23</a:t>
             </a:fld>
             <a:endParaRPr lang="es-AR"/>
           </a:p>
@@ -2099,7 +2099,7 @@
           <a:p>
             <a:fld id="{6D2C1178-CF09-F641-98D4-FC5AFECFFCAC}" type="datetimeFigureOut">
               <a:rPr lang="es-AR" smtClean="0"/>
-              <a:t>21/3/23</a:t>
+              <a:t>30/3/23</a:t>
             </a:fld>
             <a:endParaRPr lang="es-AR"/>
           </a:p>
@@ -2412,7 +2412,7 @@
           <a:p>
             <a:fld id="{6D2C1178-CF09-F641-98D4-FC5AFECFFCAC}" type="datetimeFigureOut">
               <a:rPr lang="es-AR" smtClean="0"/>
-              <a:t>21/3/23</a:t>
+              <a:t>30/3/23</a:t>
             </a:fld>
             <a:endParaRPr lang="es-AR"/>
           </a:p>
@@ -2701,7 +2701,7 @@
           <a:p>
             <a:fld id="{6D2C1178-CF09-F641-98D4-FC5AFECFFCAC}" type="datetimeFigureOut">
               <a:rPr lang="es-AR" smtClean="0"/>
-              <a:t>21/3/23</a:t>
+              <a:t>30/3/23</a:t>
             </a:fld>
             <a:endParaRPr lang="es-AR"/>
           </a:p>
@@ -2944,7 +2944,7 @@
           <a:p>
             <a:fld id="{6D2C1178-CF09-F641-98D4-FC5AFECFFCAC}" type="datetimeFigureOut">
               <a:rPr lang="es-AR" smtClean="0"/>
-              <a:t>21/3/23</a:t>
+              <a:t>30/3/23</a:t>
             </a:fld>
             <a:endParaRPr lang="es-AR"/>
           </a:p>
@@ -7355,7 +7355,7 @@
         </p:spPr>
         <p:txBody>
           <a:bodyPr>
-            <a:normAutofit lnSpcReduction="10000"/>
+            <a:normAutofit/>
           </a:bodyPr>
           <a:lstStyle/>
           <a:p>
@@ -7364,71 +7364,7 @@
           <a:p>
             <a:r>
               <a:rPr lang="es-AR" sz="2200" dirty="0"/>
-              <a:t>Para permitir el acceso a los atributos privados desde fuera de la clase, se han definido una serie de métodos públicos llamados "</a:t>
-            </a:r>
-            <a:r>
-              <a:rPr lang="es-AR" sz="2200" dirty="0" err="1"/>
-              <a:t>setters</a:t>
-            </a:r>
-            <a:r>
-              <a:rPr lang="es-AR" sz="2200" dirty="0"/>
-              <a:t>" y "</a:t>
-            </a:r>
-            <a:r>
-              <a:rPr lang="es-AR" sz="2200" dirty="0" err="1"/>
-              <a:t>getters</a:t>
-            </a:r>
-            <a:r>
-              <a:rPr lang="es-AR" sz="2200" dirty="0"/>
-              <a:t>". Los "</a:t>
-            </a:r>
-            <a:r>
-              <a:rPr lang="es-AR" sz="2200" dirty="0" err="1"/>
-              <a:t>setters</a:t>
-            </a:r>
-            <a:r>
-              <a:rPr lang="es-AR" sz="2200" dirty="0"/>
-              <a:t>" (como </a:t>
-            </a:r>
-            <a:r>
-              <a:rPr lang="es-AR" sz="2200" dirty="0" err="1"/>
-              <a:t>setMarca</a:t>
-            </a:r>
-            <a:r>
-              <a:rPr lang="es-AR" sz="2200" dirty="0"/>
-              <a:t>, </a:t>
-            </a:r>
-            <a:r>
-              <a:rPr lang="es-AR" sz="2200" dirty="0" err="1"/>
-              <a:t>setModelo</a:t>
-            </a:r>
-            <a:r>
-              <a:rPr lang="es-AR" sz="2200" dirty="0"/>
-              <a:t>, etc.) se utilizan para establecer el valor de los atributos, mientras que los "</a:t>
-            </a:r>
-            <a:r>
-              <a:rPr lang="es-AR" sz="2200" dirty="0" err="1"/>
-              <a:t>getters</a:t>
-            </a:r>
-            <a:r>
-              <a:rPr lang="es-AR" sz="2200" dirty="0"/>
-              <a:t>" (como </a:t>
-            </a:r>
-            <a:r>
-              <a:rPr lang="es-AR" sz="2200" dirty="0" err="1"/>
-              <a:t>getMarca</a:t>
-            </a:r>
-            <a:r>
-              <a:rPr lang="es-AR" sz="2200" dirty="0"/>
-              <a:t>, </a:t>
-            </a:r>
-            <a:r>
-              <a:rPr lang="es-AR" sz="2200" dirty="0" err="1"/>
-              <a:t>getModelo</a:t>
-            </a:r>
-            <a:r>
-              <a:rPr lang="es-AR" sz="2200" dirty="0"/>
-              <a:t>, etc.) se utilizan para obtener el valor de los atributos.</a:t>
+              <a:t>Para permitir el acceso a los atributos privados desde fuera de la clase, se han definido una serie de métodos públicos se utilizan para establecer el valor de los atributos, mientras que los se utilizan para obtener el valor de los atributos.</a:t>
             </a:r>
           </a:p>
         </p:txBody>
@@ -8439,7 +8375,7 @@
         </p:spPr>
         <p:txBody>
           <a:bodyPr anchor="t">
-            <a:normAutofit fontScale="92500"/>
+            <a:normAutofit/>
           </a:bodyPr>
           <a:lstStyle/>
           <a:p>
@@ -8469,33 +8405,7 @@
             </a:r>
             <a:r>
               <a:rPr lang="es-AR" sz="2200" dirty="0"/>
-              <a:t>) y se le asignan valores a sus atributos utilizando los métodos "</a:t>
-            </a:r>
-            <a:r>
-              <a:rPr lang="es-AR" sz="2200" dirty="0" err="1"/>
-              <a:t>setters</a:t>
-            </a:r>
-            <a:r>
-              <a:rPr lang="es-AR" sz="2200" dirty="0"/>
-              <a:t>". Luego, se utilizan los métodos "</a:t>
-            </a:r>
-            <a:r>
-              <a:rPr lang="es-AR" sz="2200" dirty="0" err="1"/>
-              <a:t>getters</a:t>
-            </a:r>
-            <a:r>
-              <a:rPr lang="es-AR" sz="2200" dirty="0"/>
-              <a:t>" para obtener los valores de los atributos y se imprimen en la consola.</a:t>
-            </a:r>
-          </a:p>
-          <a:p>
-            <a:r>
-              <a:rPr lang="es-AR" sz="2200" dirty="0" err="1"/>
-              <a:t>Asi</a:t>
-            </a:r>
-            <a:r>
-              <a:rPr lang="es-AR" sz="2200" dirty="0"/>
-              <a:t> se puede utilizar el encapsulamiento en C++ para ocultar los detalles internos de una clase y proporcionar un acceso controlado a sus atributos desde fuera de la clase.</a:t>
+              <a:t>) y se le asignan valores a sus atributos. Así se puede utilizar el encapsulamiento en C++ para ocultar los detalles internos de una clase y proporcionar un acceso controlado a sus atributos desde fuera de la clase.</a:t>
             </a:r>
           </a:p>
           <a:p>
